--- a/paper/figures2/network_packet.pptx
+++ b/paper/figures2/network_packet.pptx
@@ -104,6 +104,11 @@
       </a:defRPr>
     </a:lvl9pPr>
   </p:defaultTextStyle>
+  <p:extLst>
+    <p:ext uri="{EFAFB233-063F-42B5-8137-9DF3F51BA10A}">
+      <p15:sldGuideLst xmlns:p15="http://schemas.microsoft.com/office/powerpoint/2012/main"/>
+    </p:ext>
+  </p:extLst>
 </p:presentation>
 </file>
 
@@ -3080,7 +3085,7 @@
         <p:spPr>
           <a:xfrm>
             <a:off x="2030949" y="5607518"/>
-            <a:ext cx="1241622" cy="369332"/>
+            <a:ext cx="1469248" cy="369332"/>
           </a:xfrm>
           <a:prstGeom prst="rect">
             <a:avLst/>
@@ -3095,7 +3100,11 @@
           <a:p>
             <a:r>
               <a:rPr lang="en-US" dirty="0" smtClean="0"/>
-              <a:t>From client</a:t>
+              <a:t>1. From </a:t>
+            </a:r>
+            <a:r>
+              <a:rPr lang="en-US" dirty="0" smtClean="0"/>
+              <a:t>client</a:t>
             </a:r>
             <a:endParaRPr lang="en-US" dirty="0"/>
           </a:p>
@@ -3415,8 +3424,8 @@
         </p:nvSpPr>
         <p:spPr>
           <a:xfrm>
-            <a:off x="5333088" y="5607518"/>
-            <a:ext cx="2743123" cy="369332"/>
+            <a:off x="5040283" y="5607518"/>
+            <a:ext cx="2893613" cy="369332"/>
           </a:xfrm>
           <a:prstGeom prst="rect">
             <a:avLst/>
@@ -3431,7 +3440,11 @@
           <a:p>
             <a:r>
               <a:rPr lang="en-US" dirty="0" smtClean="0"/>
-              <a:t>Prepend RAFT information</a:t>
+              <a:t>2. Prepend </a:t>
+            </a:r>
+            <a:r>
+              <a:rPr lang="en-US" dirty="0" smtClean="0"/>
+              <a:t>RAFT information</a:t>
             </a:r>
             <a:endParaRPr lang="en-US" dirty="0"/>
           </a:p>
@@ -3734,7 +3747,7 @@
         <p:spPr>
           <a:xfrm>
             <a:off x="9168901" y="5600881"/>
-            <a:ext cx="2235035" cy="369332"/>
+            <a:ext cx="2462662" cy="369332"/>
           </a:xfrm>
           <a:prstGeom prst="rect">
             <a:avLst/>
@@ -3749,7 +3762,11 @@
           <a:p>
             <a:r>
               <a:rPr lang="en-US" dirty="0" smtClean="0"/>
-              <a:t>Link Ethernet headers</a:t>
+              <a:t>3. Link </a:t>
+            </a:r>
+            <a:r>
+              <a:rPr lang="en-US" dirty="0" smtClean="0"/>
+              <a:t>Ethernet headers</a:t>
             </a:r>
             <a:endParaRPr lang="en-US" dirty="0"/>
           </a:p>

--- a/paper/figures2/network_packet.pptx
+++ b/paper/figures2/network_packet.pptx
@@ -243,7 +243,7 @@
           <a:p>
             <a:fld id="{56306E35-67EC-46AC-BC32-5880F8622E8A}" type="datetimeFigureOut">
               <a:rPr lang="en-US" smtClean="0"/>
-              <a:t>4/19/2017</a:t>
+              <a:t>4/21/2017</a:t>
             </a:fld>
             <a:endParaRPr lang="en-US"/>
           </a:p>
@@ -413,7 +413,7 @@
           <a:p>
             <a:fld id="{56306E35-67EC-46AC-BC32-5880F8622E8A}" type="datetimeFigureOut">
               <a:rPr lang="en-US" smtClean="0"/>
-              <a:t>4/19/2017</a:t>
+              <a:t>4/21/2017</a:t>
             </a:fld>
             <a:endParaRPr lang="en-US"/>
           </a:p>
@@ -593,7 +593,7 @@
           <a:p>
             <a:fld id="{56306E35-67EC-46AC-BC32-5880F8622E8A}" type="datetimeFigureOut">
               <a:rPr lang="en-US" smtClean="0"/>
-              <a:t>4/19/2017</a:t>
+              <a:t>4/21/2017</a:t>
             </a:fld>
             <a:endParaRPr lang="en-US"/>
           </a:p>
@@ -763,7 +763,7 @@
           <a:p>
             <a:fld id="{56306E35-67EC-46AC-BC32-5880F8622E8A}" type="datetimeFigureOut">
               <a:rPr lang="en-US" smtClean="0"/>
-              <a:t>4/19/2017</a:t>
+              <a:t>4/21/2017</a:t>
             </a:fld>
             <a:endParaRPr lang="en-US"/>
           </a:p>
@@ -1009,7 +1009,7 @@
           <a:p>
             <a:fld id="{56306E35-67EC-46AC-BC32-5880F8622E8A}" type="datetimeFigureOut">
               <a:rPr lang="en-US" smtClean="0"/>
-              <a:t>4/19/2017</a:t>
+              <a:t>4/21/2017</a:t>
             </a:fld>
             <a:endParaRPr lang="en-US"/>
           </a:p>
@@ -1241,7 +1241,7 @@
           <a:p>
             <a:fld id="{56306E35-67EC-46AC-BC32-5880F8622E8A}" type="datetimeFigureOut">
               <a:rPr lang="en-US" smtClean="0"/>
-              <a:t>4/19/2017</a:t>
+              <a:t>4/21/2017</a:t>
             </a:fld>
             <a:endParaRPr lang="en-US"/>
           </a:p>
@@ -1608,7 +1608,7 @@
           <a:p>
             <a:fld id="{56306E35-67EC-46AC-BC32-5880F8622E8A}" type="datetimeFigureOut">
               <a:rPr lang="en-US" smtClean="0"/>
-              <a:t>4/19/2017</a:t>
+              <a:t>4/21/2017</a:t>
             </a:fld>
             <a:endParaRPr lang="en-US"/>
           </a:p>
@@ -1726,7 +1726,7 @@
           <a:p>
             <a:fld id="{56306E35-67EC-46AC-BC32-5880F8622E8A}" type="datetimeFigureOut">
               <a:rPr lang="en-US" smtClean="0"/>
-              <a:t>4/19/2017</a:t>
+              <a:t>4/21/2017</a:t>
             </a:fld>
             <a:endParaRPr lang="en-US"/>
           </a:p>
@@ -1821,7 +1821,7 @@
           <a:p>
             <a:fld id="{56306E35-67EC-46AC-BC32-5880F8622E8A}" type="datetimeFigureOut">
               <a:rPr lang="en-US" smtClean="0"/>
-              <a:t>4/19/2017</a:t>
+              <a:t>4/21/2017</a:t>
             </a:fld>
             <a:endParaRPr lang="en-US"/>
           </a:p>
@@ -2098,7 +2098,7 @@
           <a:p>
             <a:fld id="{56306E35-67EC-46AC-BC32-5880F8622E8A}" type="datetimeFigureOut">
               <a:rPr lang="en-US" smtClean="0"/>
-              <a:t>4/19/2017</a:t>
+              <a:t>4/21/2017</a:t>
             </a:fld>
             <a:endParaRPr lang="en-US"/>
           </a:p>
@@ -2351,7 +2351,7 @@
           <a:p>
             <a:fld id="{56306E35-67EC-46AC-BC32-5880F8622E8A}" type="datetimeFigureOut">
               <a:rPr lang="en-US" smtClean="0"/>
-              <a:t>4/19/2017</a:t>
+              <a:t>4/21/2017</a:t>
             </a:fld>
             <a:endParaRPr lang="en-US"/>
           </a:p>
@@ -2564,7 +2564,7 @@
           <a:p>
             <a:fld id="{56306E35-67EC-46AC-BC32-5880F8622E8A}" type="datetimeFigureOut">
               <a:rPr lang="en-US" smtClean="0"/>
-              <a:t>4/19/2017</a:t>
+              <a:t>4/21/2017</a:t>
             </a:fld>
             <a:endParaRPr lang="en-US"/>
           </a:p>
@@ -3050,6 +3050,8 @@
           <a:prstGeom prst="rect">
             <a:avLst/>
           </a:prstGeom>
+          <a:noFill/>
+          <a:ln w="38100"/>
         </p:spPr>
         <p:style>
           <a:lnRef idx="2">
@@ -3100,11 +3102,7 @@
           <a:p>
             <a:r>
               <a:rPr lang="en-US" dirty="0" smtClean="0"/>
-              <a:t>1. From </a:t>
-            </a:r>
-            <a:r>
-              <a:rPr lang="en-US" dirty="0" smtClean="0"/>
-              <a:t>client</a:t>
+              <a:t>1. From client</a:t>
             </a:r>
             <a:endParaRPr lang="en-US" dirty="0"/>
           </a:p>
@@ -3190,6 +3188,7 @@
           <a:prstGeom prst="rect">
             <a:avLst/>
           </a:prstGeom>
+          <a:noFill/>
           <a:ln w="38100"/>
         </p:spPr>
         <p:style>
@@ -3323,6 +3322,7 @@
           <a:prstGeom prst="rect">
             <a:avLst/>
           </a:prstGeom>
+          <a:noFill/>
           <a:ln w="38100"/>
         </p:spPr>
         <p:style>
@@ -3440,11 +3440,7 @@
           <a:p>
             <a:r>
               <a:rPr lang="en-US" dirty="0" smtClean="0"/>
-              <a:t>2. Prepend </a:t>
-            </a:r>
-            <a:r>
-              <a:rPr lang="en-US" dirty="0" smtClean="0"/>
-              <a:t>RAFT information</a:t>
+              <a:t>2. Prepend RAFT information</a:t>
             </a:r>
             <a:endParaRPr lang="en-US" dirty="0"/>
           </a:p>
@@ -3466,7 +3462,7 @@
           </a:prstGeom>
           <a:pattFill prst="pct70">
             <a:fgClr>
-              <a:srgbClr val="00B050"/>
+              <a:schemeClr val="tx1"/>
             </a:fgClr>
             <a:bgClr>
               <a:schemeClr val="bg1"/>
@@ -3512,6 +3508,7 @@
           <a:prstGeom prst="rect">
             <a:avLst/>
           </a:prstGeom>
+          <a:noFill/>
           <a:ln w="38100"/>
         </p:spPr>
         <p:style>
@@ -3645,6 +3642,7 @@
           <a:prstGeom prst="rect">
             <a:avLst/>
           </a:prstGeom>
+          <a:noFill/>
           <a:ln w="38100"/>
         </p:spPr>
         <p:style>
@@ -3762,11 +3760,7 @@
           <a:p>
             <a:r>
               <a:rPr lang="en-US" dirty="0" smtClean="0"/>
-              <a:t>3. Link </a:t>
-            </a:r>
-            <a:r>
-              <a:rPr lang="en-US" dirty="0" smtClean="0"/>
-              <a:t>Ethernet headers</a:t>
+              <a:t>3. Link Ethernet headers</a:t>
             </a:r>
             <a:endParaRPr lang="en-US" dirty="0"/>
           </a:p>
@@ -3788,7 +3782,7 @@
           </a:prstGeom>
           <a:pattFill prst="pct70">
             <a:fgClr>
-              <a:srgbClr val="00B050"/>
+              <a:schemeClr val="tx1"/>
             </a:fgClr>
             <a:bgClr>
               <a:schemeClr val="bg1"/>
@@ -3834,6 +3828,7 @@
           <a:prstGeom prst="rect">
             <a:avLst/>
           </a:prstGeom>
+          <a:noFill/>
           <a:ln w="38100"/>
         </p:spPr>
         <p:style>
@@ -3988,6 +3983,7 @@
           <a:prstGeom prst="rect">
             <a:avLst/>
           </a:prstGeom>
+          <a:noFill/>
           <a:ln w="38100"/>
         </p:spPr>
         <p:style>
@@ -4012,18 +4008,34 @@
           <a:p>
             <a:pPr algn="ctr"/>
             <a:r>
-              <a:rPr lang="en-US" dirty="0" err="1" smtClean="0"/>
+              <a:rPr lang="en-US" dirty="0" err="1" smtClean="0">
+                <a:solidFill>
+                  <a:schemeClr val="tx1"/>
+                </a:solidFill>
+              </a:rPr>
               <a:t>Eth.src</a:t>
             </a:r>
-            <a:endParaRPr lang="en-US" dirty="0" smtClean="0"/>
+            <a:endParaRPr lang="en-US" dirty="0" smtClean="0">
+              <a:solidFill>
+                <a:schemeClr val="tx1"/>
+              </a:solidFill>
+            </a:endParaRPr>
           </a:p>
           <a:p>
             <a:pPr algn="ctr"/>
             <a:r>
-              <a:rPr lang="en-US" dirty="0" err="1" smtClean="0"/>
+              <a:rPr lang="en-US" dirty="0" err="1" smtClean="0">
+                <a:solidFill>
+                  <a:schemeClr val="tx1"/>
+                </a:solidFill>
+              </a:rPr>
               <a:t>Eth.dst</a:t>
             </a:r>
-            <a:endParaRPr lang="en-US" dirty="0"/>
+            <a:endParaRPr lang="en-US" dirty="0">
+              <a:solidFill>
+                <a:schemeClr val="tx1"/>
+              </a:solidFill>
+            </a:endParaRPr>
           </a:p>
         </p:txBody>
       </p:sp>

--- a/paper/figures2/network_packet.pptx
+++ b/paper/figures2/network_packet.pptx
@@ -243,7 +243,7 @@
           <a:p>
             <a:fld id="{56306E35-67EC-46AC-BC32-5880F8622E8A}" type="datetimeFigureOut">
               <a:rPr lang="en-US" smtClean="0"/>
-              <a:t>4/21/2017</a:t>
+              <a:t>8/3/2017</a:t>
             </a:fld>
             <a:endParaRPr lang="en-US"/>
           </a:p>
@@ -413,7 +413,7 @@
           <a:p>
             <a:fld id="{56306E35-67EC-46AC-BC32-5880F8622E8A}" type="datetimeFigureOut">
               <a:rPr lang="en-US" smtClean="0"/>
-              <a:t>4/21/2017</a:t>
+              <a:t>8/3/2017</a:t>
             </a:fld>
             <a:endParaRPr lang="en-US"/>
           </a:p>
@@ -593,7 +593,7 @@
           <a:p>
             <a:fld id="{56306E35-67EC-46AC-BC32-5880F8622E8A}" type="datetimeFigureOut">
               <a:rPr lang="en-US" smtClean="0"/>
-              <a:t>4/21/2017</a:t>
+              <a:t>8/3/2017</a:t>
             </a:fld>
             <a:endParaRPr lang="en-US"/>
           </a:p>
@@ -763,7 +763,7 @@
           <a:p>
             <a:fld id="{56306E35-67EC-46AC-BC32-5880F8622E8A}" type="datetimeFigureOut">
               <a:rPr lang="en-US" smtClean="0"/>
-              <a:t>4/21/2017</a:t>
+              <a:t>8/3/2017</a:t>
             </a:fld>
             <a:endParaRPr lang="en-US"/>
           </a:p>
@@ -1009,7 +1009,7 @@
           <a:p>
             <a:fld id="{56306E35-67EC-46AC-BC32-5880F8622E8A}" type="datetimeFigureOut">
               <a:rPr lang="en-US" smtClean="0"/>
-              <a:t>4/21/2017</a:t>
+              <a:t>8/3/2017</a:t>
             </a:fld>
             <a:endParaRPr lang="en-US"/>
           </a:p>
@@ -1241,7 +1241,7 @@
           <a:p>
             <a:fld id="{56306E35-67EC-46AC-BC32-5880F8622E8A}" type="datetimeFigureOut">
               <a:rPr lang="en-US" smtClean="0"/>
-              <a:t>4/21/2017</a:t>
+              <a:t>8/3/2017</a:t>
             </a:fld>
             <a:endParaRPr lang="en-US"/>
           </a:p>
@@ -1608,7 +1608,7 @@
           <a:p>
             <a:fld id="{56306E35-67EC-46AC-BC32-5880F8622E8A}" type="datetimeFigureOut">
               <a:rPr lang="en-US" smtClean="0"/>
-              <a:t>4/21/2017</a:t>
+              <a:t>8/3/2017</a:t>
             </a:fld>
             <a:endParaRPr lang="en-US"/>
           </a:p>
@@ -1726,7 +1726,7 @@
           <a:p>
             <a:fld id="{56306E35-67EC-46AC-BC32-5880F8622E8A}" type="datetimeFigureOut">
               <a:rPr lang="en-US" smtClean="0"/>
-              <a:t>4/21/2017</a:t>
+              <a:t>8/3/2017</a:t>
             </a:fld>
             <a:endParaRPr lang="en-US"/>
           </a:p>
@@ -1821,7 +1821,7 @@
           <a:p>
             <a:fld id="{56306E35-67EC-46AC-BC32-5880F8622E8A}" type="datetimeFigureOut">
               <a:rPr lang="en-US" smtClean="0"/>
-              <a:t>4/21/2017</a:t>
+              <a:t>8/3/2017</a:t>
             </a:fld>
             <a:endParaRPr lang="en-US"/>
           </a:p>
@@ -2098,7 +2098,7 @@
           <a:p>
             <a:fld id="{56306E35-67EC-46AC-BC32-5880F8622E8A}" type="datetimeFigureOut">
               <a:rPr lang="en-US" smtClean="0"/>
-              <a:t>4/21/2017</a:t>
+              <a:t>8/3/2017</a:t>
             </a:fld>
             <a:endParaRPr lang="en-US"/>
           </a:p>
@@ -2351,7 +2351,7 @@
           <a:p>
             <a:fld id="{56306E35-67EC-46AC-BC32-5880F8622E8A}" type="datetimeFigureOut">
               <a:rPr lang="en-US" smtClean="0"/>
-              <a:t>4/21/2017</a:t>
+              <a:t>8/3/2017</a:t>
             </a:fld>
             <a:endParaRPr lang="en-US"/>
           </a:p>
@@ -2564,7 +2564,7 @@
           <a:p>
             <a:fld id="{56306E35-67EC-46AC-BC32-5880F8622E8A}" type="datetimeFigureOut">
               <a:rPr lang="en-US" smtClean="0"/>
-              <a:t>4/21/2017</a:t>
+              <a:t>8/3/2017</a:t>
             </a:fld>
             <a:endParaRPr lang="en-US"/>
           </a:p>
@@ -3745,7 +3745,7 @@
         <p:spPr>
           <a:xfrm>
             <a:off x="9168901" y="5600881"/>
-            <a:ext cx="2462662" cy="369332"/>
+            <a:ext cx="2455224" cy="369332"/>
           </a:xfrm>
           <a:prstGeom prst="rect">
             <a:avLst/>
@@ -3760,7 +3760,19 @@
           <a:p>
             <a:r>
               <a:rPr lang="en-US" dirty="0" smtClean="0"/>
-              <a:t>3. Link Ethernet headers</a:t>
+              <a:t>3. Link </a:t>
+            </a:r>
+            <a:r>
+              <a:rPr lang="en-US" dirty="0" smtClean="0"/>
+              <a:t>Network</a:t>
+            </a:r>
+            <a:r>
+              <a:rPr lang="en-US" dirty="0" smtClean="0"/>
+              <a:t> </a:t>
+            </a:r>
+            <a:r>
+              <a:rPr lang="en-US" dirty="0" smtClean="0"/>
+              <a:t>headers</a:t>
             </a:r>
             <a:endParaRPr lang="en-US" dirty="0"/>
           </a:p>
@@ -4008,28 +4020,23 @@
           <a:p>
             <a:pPr algn="ctr"/>
             <a:r>
-              <a:rPr lang="en-US" dirty="0" err="1" smtClean="0">
+              <a:rPr lang="en-US" dirty="0" smtClean="0">
                 <a:solidFill>
                   <a:schemeClr val="tx1"/>
                 </a:solidFill>
               </a:rPr>
-              <a:t>Eth.src</a:t>
-            </a:r>
-            <a:endParaRPr lang="en-US" dirty="0" smtClean="0">
-              <a:solidFill>
-                <a:schemeClr val="tx1"/>
-              </a:solidFill>
-            </a:endParaRPr>
+              <a:t>Ether</a:t>
+            </a:r>
           </a:p>
           <a:p>
             <a:pPr algn="ctr"/>
             <a:r>
-              <a:rPr lang="en-US" dirty="0" err="1" smtClean="0">
+              <a:rPr lang="en-US" dirty="0" smtClean="0">
                 <a:solidFill>
                   <a:schemeClr val="tx1"/>
                 </a:solidFill>
               </a:rPr>
-              <a:t>Eth.dst</a:t>
+              <a:t>IPv4</a:t>
             </a:r>
             <a:endParaRPr lang="en-US" dirty="0">
               <a:solidFill>
